--- a/Resumo-Padrões/SmallWritingTeam.pptx
+++ b/Resumo-Padrões/SmallWritingTeam.pptx
@@ -2,13 +2,16 @@
 <file path=ppt/presentation.xml><?xml version="1.0" encoding="utf-8"?>
 <p:presentation xmlns:a="http://schemas.openxmlformats.org/drawingml/2006/main" xmlns:r="http://schemas.openxmlformats.org/officeDocument/2006/relationships" xmlns:p="http://schemas.openxmlformats.org/presentationml/2006/main" saveSubsetFonts="1">
   <p:sldMasterIdLst>
-    <p:sldMasterId id="2147483749" r:id="rId1"/>
+    <p:sldMasterId id="2147483845" r:id="rId1"/>
   </p:sldMasterIdLst>
   <p:sldIdLst>
     <p:sldId id="256" r:id="rId2"/>
     <p:sldId id="257" r:id="rId3"/>
     <p:sldId id="258" r:id="rId4"/>
     <p:sldId id="259" r:id="rId5"/>
+    <p:sldId id="260" r:id="rId6"/>
+    <p:sldId id="261" r:id="rId7"/>
+    <p:sldId id="262" r:id="rId8"/>
   </p:sldIdLst>
   <p:sldSz cx="12192000" cy="6858000"/>
   <p:notesSz cx="6858000" cy="9144000"/>
@@ -107,6 +110,11 @@
       </a:defRPr>
     </a:lvl9pPr>
   </p:defaultTextStyle>
+  <p:extLst>
+    <p:ext uri="{EFAFB233-063F-42B5-8137-9DF3F51BA10A}">
+      <p15:sldGuideLst xmlns:p15="http://schemas.microsoft.com/office/powerpoint/2012/main"/>
+    </p:ext>
+  </p:extLst>
 </p:presentation>
 </file>
 
@@ -138,6 +146,13 @@
         <p:blipFill>
           <a:blip r:embed="rId2">
             <a:alphaModFix amt="30000"/>
+            <a:duotone>
+              <a:prstClr val="black"/>
+              <a:schemeClr val="tx2">
+                <a:tint val="45000"/>
+                <a:satMod val="400000"/>
+              </a:schemeClr>
+            </a:duotone>
             <a:extLst>
               <a:ext uri="{28A0092B-C50C-407E-A947-70E740481C1C}">
                 <a14:useLocalDpi xmlns:a14="http://schemas.microsoft.com/office/drawing/2010/main" val="0"/>
@@ -188,9 +203,8 @@
                 <a:schemeClr val="tx2"/>
               </a:gs>
               <a:gs pos="100000">
-                <a:schemeClr val="bg2">
-                  <a:lumMod val="60000"/>
-                  <a:lumOff val="40000"/>
+                <a:schemeClr val="tx2">
+                  <a:lumMod val="50000"/>
                 </a:schemeClr>
               </a:gs>
             </a:gsLst>
@@ -4386,7 +4400,7 @@
           <a:p>
             <a:fld id="{1D1117AD-4B03-4638-B1A6-C4DC66A206C4}" type="datetimeFigureOut">
               <a:rPr lang="pt-PT" smtClean="0"/>
-              <a:t>01/11/2018</a:t>
+              <a:t>02/11/2018</a:t>
             </a:fld>
             <a:endParaRPr lang="pt-PT"/>
           </a:p>
@@ -4447,7 +4461,7 @@
     </p:spTree>
     <p:extLst>
       <p:ext uri="{BB962C8B-B14F-4D97-AF65-F5344CB8AC3E}">
-        <p14:creationId xmlns:p14="http://schemas.microsoft.com/office/powerpoint/2010/main" val="1163644915"/>
+        <p14:creationId xmlns:p14="http://schemas.microsoft.com/office/powerpoint/2010/main" val="390791493"/>
       </p:ext>
     </p:extLst>
   </p:cSld>
@@ -4653,7 +4667,7 @@
           <a:p>
             <a:fld id="{1D1117AD-4B03-4638-B1A6-C4DC66A206C4}" type="datetimeFigureOut">
               <a:rPr lang="pt-PT" smtClean="0"/>
-              <a:t>01/11/2018</a:t>
+              <a:t>02/11/2018</a:t>
             </a:fld>
             <a:endParaRPr lang="pt-PT"/>
           </a:p>
@@ -4704,7 +4718,7 @@
     </p:spTree>
     <p:extLst>
       <p:ext uri="{BB962C8B-B14F-4D97-AF65-F5344CB8AC3E}">
-        <p14:creationId xmlns:p14="http://schemas.microsoft.com/office/powerpoint/2010/main" val="1596657138"/>
+        <p14:creationId xmlns:p14="http://schemas.microsoft.com/office/powerpoint/2010/main" val="663609067"/>
       </p:ext>
     </p:extLst>
   </p:cSld>
@@ -4849,7 +4863,7 @@
           <a:p>
             <a:fld id="{1D1117AD-4B03-4638-B1A6-C4DC66A206C4}" type="datetimeFigureOut">
               <a:rPr lang="pt-PT" smtClean="0"/>
-              <a:t>01/11/2018</a:t>
+              <a:t>02/11/2018</a:t>
             </a:fld>
             <a:endParaRPr lang="pt-PT"/>
           </a:p>
@@ -4900,7 +4914,7 @@
     </p:spTree>
     <p:extLst>
       <p:ext uri="{BB962C8B-B14F-4D97-AF65-F5344CB8AC3E}">
-        <p14:creationId xmlns:p14="http://schemas.microsoft.com/office/powerpoint/2010/main" val="265645082"/>
+        <p14:creationId xmlns:p14="http://schemas.microsoft.com/office/powerpoint/2010/main" val="4194049152"/>
       </p:ext>
     </p:extLst>
   </p:cSld>
@@ -5112,7 +5126,7 @@
           <a:p>
             <a:fld id="{1D1117AD-4B03-4638-B1A6-C4DC66A206C4}" type="datetimeFigureOut">
               <a:rPr lang="pt-PT" smtClean="0"/>
-              <a:t>01/11/2018</a:t>
+              <a:t>02/11/2018</a:t>
             </a:fld>
             <a:endParaRPr lang="pt-PT"/>
           </a:p>
@@ -5401,7 +5415,7 @@
     </p:spTree>
     <p:extLst>
       <p:ext uri="{BB962C8B-B14F-4D97-AF65-F5344CB8AC3E}">
-        <p14:creationId xmlns:p14="http://schemas.microsoft.com/office/powerpoint/2010/main" val="3144371487"/>
+        <p14:creationId xmlns:p14="http://schemas.microsoft.com/office/powerpoint/2010/main" val="2957181630"/>
       </p:ext>
     </p:extLst>
   </p:cSld>
@@ -5546,7 +5560,7 @@
           <a:p>
             <a:fld id="{1D1117AD-4B03-4638-B1A6-C4DC66A206C4}" type="datetimeFigureOut">
               <a:rPr lang="pt-PT" smtClean="0"/>
-              <a:t>01/11/2018</a:t>
+              <a:t>02/11/2018</a:t>
             </a:fld>
             <a:endParaRPr lang="pt-PT"/>
           </a:p>
@@ -5597,7 +5611,7 @@
     </p:spTree>
     <p:extLst>
       <p:ext uri="{BB962C8B-B14F-4D97-AF65-F5344CB8AC3E}">
-        <p14:creationId xmlns:p14="http://schemas.microsoft.com/office/powerpoint/2010/main" val="2878565171"/>
+        <p14:creationId xmlns:p14="http://schemas.microsoft.com/office/powerpoint/2010/main" val="3398810649"/>
       </p:ext>
     </p:extLst>
   </p:cSld>
@@ -6092,7 +6106,7 @@
           <a:p>
             <a:fld id="{1D1117AD-4B03-4638-B1A6-C4DC66A206C4}" type="datetimeFigureOut">
               <a:rPr lang="pt-PT" smtClean="0"/>
-              <a:t>01/11/2018</a:t>
+              <a:t>02/11/2018</a:t>
             </a:fld>
             <a:endParaRPr lang="pt-PT"/>
           </a:p>
@@ -6143,7 +6157,7 @@
     </p:spTree>
     <p:extLst>
       <p:ext uri="{BB962C8B-B14F-4D97-AF65-F5344CB8AC3E}">
-        <p14:creationId xmlns:p14="http://schemas.microsoft.com/office/powerpoint/2010/main" val="2123200497"/>
+        <p14:creationId xmlns:p14="http://schemas.microsoft.com/office/powerpoint/2010/main" val="2981789762"/>
       </p:ext>
     </p:extLst>
   </p:cSld>
@@ -6812,7 +6826,7 @@
           <a:p>
             <a:fld id="{1D1117AD-4B03-4638-B1A6-C4DC66A206C4}" type="datetimeFigureOut">
               <a:rPr lang="pt-PT" smtClean="0"/>
-              <a:t>01/11/2018</a:t>
+              <a:t>02/11/2018</a:t>
             </a:fld>
             <a:endParaRPr lang="pt-PT"/>
           </a:p>
@@ -6863,7 +6877,7 @@
     </p:spTree>
     <p:extLst>
       <p:ext uri="{BB962C8B-B14F-4D97-AF65-F5344CB8AC3E}">
-        <p14:creationId xmlns:p14="http://schemas.microsoft.com/office/powerpoint/2010/main" val="1232706648"/>
+        <p14:creationId xmlns:p14="http://schemas.microsoft.com/office/powerpoint/2010/main" val="247208566"/>
       </p:ext>
     </p:extLst>
   </p:cSld>
@@ -6982,7 +6996,7 @@
           <a:p>
             <a:fld id="{1D1117AD-4B03-4638-B1A6-C4DC66A206C4}" type="datetimeFigureOut">
               <a:rPr lang="pt-PT" smtClean="0"/>
-              <a:t>01/11/2018</a:t>
+              <a:t>02/11/2018</a:t>
             </a:fld>
             <a:endParaRPr lang="pt-PT"/>
           </a:p>
@@ -7033,7 +7047,7 @@
     </p:spTree>
     <p:extLst>
       <p:ext uri="{BB962C8B-B14F-4D97-AF65-F5344CB8AC3E}">
-        <p14:creationId xmlns:p14="http://schemas.microsoft.com/office/powerpoint/2010/main" val="2999085696"/>
+        <p14:creationId xmlns:p14="http://schemas.microsoft.com/office/powerpoint/2010/main" val="1897523547"/>
       </p:ext>
     </p:extLst>
   </p:cSld>
@@ -7162,7 +7176,7 @@
           <a:p>
             <a:fld id="{1D1117AD-4B03-4638-B1A6-C4DC66A206C4}" type="datetimeFigureOut">
               <a:rPr lang="pt-PT" smtClean="0"/>
-              <a:t>01/11/2018</a:t>
+              <a:t>02/11/2018</a:t>
             </a:fld>
             <a:endParaRPr lang="pt-PT"/>
           </a:p>
@@ -7213,7 +7227,7 @@
     </p:spTree>
     <p:extLst>
       <p:ext uri="{BB962C8B-B14F-4D97-AF65-F5344CB8AC3E}">
-        <p14:creationId xmlns:p14="http://schemas.microsoft.com/office/powerpoint/2010/main" val="3711776869"/>
+        <p14:creationId xmlns:p14="http://schemas.microsoft.com/office/powerpoint/2010/main" val="1466325308"/>
       </p:ext>
     </p:extLst>
   </p:cSld>
@@ -7332,7 +7346,7 @@
           <a:p>
             <a:fld id="{1D1117AD-4B03-4638-B1A6-C4DC66A206C4}" type="datetimeFigureOut">
               <a:rPr lang="pt-PT" smtClean="0"/>
-              <a:t>01/11/2018</a:t>
+              <a:t>02/11/2018</a:t>
             </a:fld>
             <a:endParaRPr lang="pt-PT"/>
           </a:p>
@@ -7383,7 +7397,7 @@
     </p:spTree>
     <p:extLst>
       <p:ext uri="{BB962C8B-B14F-4D97-AF65-F5344CB8AC3E}">
-        <p14:creationId xmlns:p14="http://schemas.microsoft.com/office/powerpoint/2010/main" val="151176382"/>
+        <p14:creationId xmlns:p14="http://schemas.microsoft.com/office/powerpoint/2010/main" val="2501456620"/>
       </p:ext>
     </p:extLst>
   </p:cSld>
@@ -7582,7 +7596,7 @@
           <a:p>
             <a:fld id="{1D1117AD-4B03-4638-B1A6-C4DC66A206C4}" type="datetimeFigureOut">
               <a:rPr lang="pt-PT" smtClean="0"/>
-              <a:t>01/11/2018</a:t>
+              <a:t>02/11/2018</a:t>
             </a:fld>
             <a:endParaRPr lang="pt-PT"/>
           </a:p>
@@ -7633,7 +7647,7 @@
     </p:spTree>
     <p:extLst>
       <p:ext uri="{BB962C8B-B14F-4D97-AF65-F5344CB8AC3E}">
-        <p14:creationId xmlns:p14="http://schemas.microsoft.com/office/powerpoint/2010/main" val="3813358958"/>
+        <p14:creationId xmlns:p14="http://schemas.microsoft.com/office/powerpoint/2010/main" val="1112727827"/>
       </p:ext>
     </p:extLst>
   </p:cSld>
@@ -7814,7 +7828,7 @@
           <a:p>
             <a:fld id="{1D1117AD-4B03-4638-B1A6-C4DC66A206C4}" type="datetimeFigureOut">
               <a:rPr lang="pt-PT" smtClean="0"/>
-              <a:t>01/11/2018</a:t>
+              <a:t>02/11/2018</a:t>
             </a:fld>
             <a:endParaRPr lang="pt-PT"/>
           </a:p>
@@ -7865,7 +7879,7 @@
     </p:spTree>
     <p:extLst>
       <p:ext uri="{BB962C8B-B14F-4D97-AF65-F5344CB8AC3E}">
-        <p14:creationId xmlns:p14="http://schemas.microsoft.com/office/powerpoint/2010/main" val="84954596"/>
+        <p14:creationId xmlns:p14="http://schemas.microsoft.com/office/powerpoint/2010/main" val="1814385147"/>
       </p:ext>
     </p:extLst>
   </p:cSld>
@@ -8195,7 +8209,7 @@
           <a:p>
             <a:fld id="{1D1117AD-4B03-4638-B1A6-C4DC66A206C4}" type="datetimeFigureOut">
               <a:rPr lang="pt-PT" smtClean="0"/>
-              <a:t>01/11/2018</a:t>
+              <a:t>02/11/2018</a:t>
             </a:fld>
             <a:endParaRPr lang="pt-PT"/>
           </a:p>
@@ -8246,7 +8260,7 @@
     </p:spTree>
     <p:extLst>
       <p:ext uri="{BB962C8B-B14F-4D97-AF65-F5344CB8AC3E}">
-        <p14:creationId xmlns:p14="http://schemas.microsoft.com/office/powerpoint/2010/main" val="2906495815"/>
+        <p14:creationId xmlns:p14="http://schemas.microsoft.com/office/powerpoint/2010/main" val="2702966630"/>
       </p:ext>
     </p:extLst>
   </p:cSld>
@@ -8313,7 +8327,7 @@
           <a:p>
             <a:fld id="{1D1117AD-4B03-4638-B1A6-C4DC66A206C4}" type="datetimeFigureOut">
               <a:rPr lang="pt-PT" smtClean="0"/>
-              <a:t>01/11/2018</a:t>
+              <a:t>02/11/2018</a:t>
             </a:fld>
             <a:endParaRPr lang="pt-PT"/>
           </a:p>
@@ -8364,7 +8378,7 @@
     </p:spTree>
     <p:extLst>
       <p:ext uri="{BB962C8B-B14F-4D97-AF65-F5344CB8AC3E}">
-        <p14:creationId xmlns:p14="http://schemas.microsoft.com/office/powerpoint/2010/main" val="1208645227"/>
+        <p14:creationId xmlns:p14="http://schemas.microsoft.com/office/powerpoint/2010/main" val="1319294931"/>
       </p:ext>
     </p:extLst>
   </p:cSld>
@@ -8408,7 +8422,7 @@
           <a:p>
             <a:fld id="{1D1117AD-4B03-4638-B1A6-C4DC66A206C4}" type="datetimeFigureOut">
               <a:rPr lang="pt-PT" smtClean="0"/>
-              <a:t>01/11/2018</a:t>
+              <a:t>02/11/2018</a:t>
             </a:fld>
             <a:endParaRPr lang="pt-PT"/>
           </a:p>
@@ -8459,7 +8473,7 @@
     </p:spTree>
     <p:extLst>
       <p:ext uri="{BB962C8B-B14F-4D97-AF65-F5344CB8AC3E}">
-        <p14:creationId xmlns:p14="http://schemas.microsoft.com/office/powerpoint/2010/main" val="3536708034"/>
+        <p14:creationId xmlns:p14="http://schemas.microsoft.com/office/powerpoint/2010/main" val="2129249978"/>
       </p:ext>
     </p:extLst>
   </p:cSld>
@@ -8657,7 +8671,7 @@
           <a:p>
             <a:fld id="{1D1117AD-4B03-4638-B1A6-C4DC66A206C4}" type="datetimeFigureOut">
               <a:rPr lang="pt-PT" smtClean="0"/>
-              <a:t>01/11/2018</a:t>
+              <a:t>02/11/2018</a:t>
             </a:fld>
             <a:endParaRPr lang="pt-PT"/>
           </a:p>
@@ -8708,7 +8722,7 @@
     </p:spTree>
     <p:extLst>
       <p:ext uri="{BB962C8B-B14F-4D97-AF65-F5344CB8AC3E}">
-        <p14:creationId xmlns:p14="http://schemas.microsoft.com/office/powerpoint/2010/main" val="880890110"/>
+        <p14:creationId xmlns:p14="http://schemas.microsoft.com/office/powerpoint/2010/main" val="4109294597"/>
       </p:ext>
     </p:extLst>
   </p:cSld>
@@ -8937,7 +8951,7 @@
           <a:p>
             <a:fld id="{1D1117AD-4B03-4638-B1A6-C4DC66A206C4}" type="datetimeFigureOut">
               <a:rPr lang="pt-PT" smtClean="0"/>
-              <a:t>01/11/2018</a:t>
+              <a:t>02/11/2018</a:t>
             </a:fld>
             <a:endParaRPr lang="pt-PT"/>
           </a:p>
@@ -8988,7 +9002,7 @@
     </p:spTree>
     <p:extLst>
       <p:ext uri="{BB962C8B-B14F-4D97-AF65-F5344CB8AC3E}">
-        <p14:creationId xmlns:p14="http://schemas.microsoft.com/office/powerpoint/2010/main" val="1303829938"/>
+        <p14:creationId xmlns:p14="http://schemas.microsoft.com/office/powerpoint/2010/main" val="3887627926"/>
       </p:ext>
     </p:extLst>
   </p:cSld>
@@ -9031,6 +9045,13 @@
         <p:blipFill>
           <a:blip r:embed="rId19">
             <a:alphaModFix amt="30000"/>
+            <a:duotone>
+              <a:prstClr val="black"/>
+              <a:schemeClr val="tx2">
+                <a:tint val="45000"/>
+                <a:satMod val="400000"/>
+              </a:schemeClr>
+            </a:duotone>
             <a:extLst>
               <a:ext uri="{28A0092B-C50C-407E-A947-70E740481C1C}">
                 <a14:useLocalDpi xmlns:a14="http://schemas.microsoft.com/office/drawing/2010/main" val="0"/>
@@ -9075,6 +9096,20 @@
             <a:chOff x="-14288" y="0"/>
             <a:chExt cx="12053888" cy="6858001"/>
           </a:xfrm>
+          <a:gradFill flip="none" rotWithShape="1">
+            <a:gsLst>
+              <a:gs pos="0">
+                <a:schemeClr val="tx2"/>
+              </a:gs>
+              <a:gs pos="100000">
+                <a:schemeClr val="tx2">
+                  <a:lumMod val="50000"/>
+                </a:schemeClr>
+              </a:gs>
+            </a:gsLst>
+            <a:lin ang="5400000" scaled="0"/>
+            <a:tileRect/>
+          </a:gradFill>
         </p:grpSpPr>
         <p:grpSp>
           <p:nvGrpSpPr>
@@ -9089,21 +9124,7 @@
               <a:chOff x="-14288" y="0"/>
               <a:chExt cx="1220788" cy="6858001"/>
             </a:xfrm>
-            <a:gradFill flip="none" rotWithShape="1">
-              <a:gsLst>
-                <a:gs pos="0">
-                  <a:schemeClr val="tx2"/>
-                </a:gs>
-                <a:gs pos="100000">
-                  <a:schemeClr val="bg2">
-                    <a:lumMod val="60000"/>
-                    <a:lumOff val="40000"/>
-                  </a:schemeClr>
-                </a:gs>
-              </a:gsLst>
-              <a:lin ang="5400000" scaled="0"/>
-              <a:tileRect/>
-            </a:gradFill>
+            <a:grpFill/>
           </p:grpSpPr>
           <p:sp>
             <p:nvSpPr>
@@ -11092,24 +11113,7 @@
               <a:chOff x="11364912" y="0"/>
               <a:chExt cx="674688" cy="6848476"/>
             </a:xfrm>
-            <a:gradFill flip="none" rotWithShape="1">
-              <a:gsLst>
-                <a:gs pos="0">
-                  <a:schemeClr val="tx2">
-                    <a:alpha val="80000"/>
-                  </a:schemeClr>
-                </a:gs>
-                <a:gs pos="100000">
-                  <a:schemeClr val="bg2">
-                    <a:lumMod val="60000"/>
-                    <a:lumOff val="40000"/>
-                    <a:alpha val="60000"/>
-                  </a:schemeClr>
-                </a:gs>
-              </a:gsLst>
-              <a:lin ang="5400000" scaled="0"/>
-              <a:tileRect/>
-            </a:gradFill>
+            <a:grpFill/>
           </p:grpSpPr>
           <p:sp>
             <p:nvSpPr>
@@ -12014,7 +12018,7 @@
           <a:p>
             <a:fld id="{1D1117AD-4B03-4638-B1A6-C4DC66A206C4}" type="datetimeFigureOut">
               <a:rPr lang="pt-PT" smtClean="0"/>
-              <a:t>01/11/2018</a:t>
+              <a:t>02/11/2018</a:t>
             </a:fld>
             <a:endParaRPr lang="pt-PT"/>
           </a:p>
@@ -12101,29 +12105,29 @@
     </p:spTree>
     <p:extLst>
       <p:ext uri="{BB962C8B-B14F-4D97-AF65-F5344CB8AC3E}">
-        <p14:creationId xmlns:p14="http://schemas.microsoft.com/office/powerpoint/2010/main" val="372575547"/>
+        <p14:creationId xmlns:p14="http://schemas.microsoft.com/office/powerpoint/2010/main" val="1988731512"/>
       </p:ext>
     </p:extLst>
   </p:cSld>
   <p:clrMap bg1="dk1" tx1="lt1" bg2="dk2" tx2="lt2" accent1="accent1" accent2="accent2" accent3="accent3" accent4="accent4" accent5="accent5" accent6="accent6" hlink="hlink" folHlink="folHlink"/>
   <p:sldLayoutIdLst>
-    <p:sldLayoutId id="2147483750" r:id="rId1"/>
-    <p:sldLayoutId id="2147483751" r:id="rId2"/>
-    <p:sldLayoutId id="2147483752" r:id="rId3"/>
-    <p:sldLayoutId id="2147483753" r:id="rId4"/>
-    <p:sldLayoutId id="2147483754" r:id="rId5"/>
-    <p:sldLayoutId id="2147483755" r:id="rId6"/>
-    <p:sldLayoutId id="2147483756" r:id="rId7"/>
-    <p:sldLayoutId id="2147483757" r:id="rId8"/>
-    <p:sldLayoutId id="2147483758" r:id="rId9"/>
-    <p:sldLayoutId id="2147483759" r:id="rId10"/>
-    <p:sldLayoutId id="2147483760" r:id="rId11"/>
-    <p:sldLayoutId id="2147483761" r:id="rId12"/>
-    <p:sldLayoutId id="2147483762" r:id="rId13"/>
-    <p:sldLayoutId id="2147483763" r:id="rId14"/>
-    <p:sldLayoutId id="2147483764" r:id="rId15"/>
-    <p:sldLayoutId id="2147483765" r:id="rId16"/>
-    <p:sldLayoutId id="2147483766" r:id="rId17"/>
+    <p:sldLayoutId id="2147483846" r:id="rId1"/>
+    <p:sldLayoutId id="2147483847" r:id="rId2"/>
+    <p:sldLayoutId id="2147483848" r:id="rId3"/>
+    <p:sldLayoutId id="2147483849" r:id="rId4"/>
+    <p:sldLayoutId id="2147483850" r:id="rId5"/>
+    <p:sldLayoutId id="2147483851" r:id="rId6"/>
+    <p:sldLayoutId id="2147483852" r:id="rId7"/>
+    <p:sldLayoutId id="2147483853" r:id="rId8"/>
+    <p:sldLayoutId id="2147483854" r:id="rId9"/>
+    <p:sldLayoutId id="2147483855" r:id="rId10"/>
+    <p:sldLayoutId id="2147483856" r:id="rId11"/>
+    <p:sldLayoutId id="2147483857" r:id="rId12"/>
+    <p:sldLayoutId id="2147483858" r:id="rId13"/>
+    <p:sldLayoutId id="2147483859" r:id="rId14"/>
+    <p:sldLayoutId id="2147483860" r:id="rId15"/>
+    <p:sldLayoutId id="2147483861" r:id="rId16"/>
+    <p:sldLayoutId id="2147483862" r:id="rId17"/>
   </p:sldLayoutIdLst>
   <p:txStyles>
     <p:titleStyle>
@@ -12451,8 +12455,8 @@
         </p:nvSpPr>
         <p:spPr>
           <a:xfrm>
-            <a:off x="2790824" y="0"/>
-            <a:ext cx="8791575" cy="2387600"/>
+            <a:off x="2776039" y="2667559"/>
+            <a:ext cx="7119621" cy="1179610"/>
           </a:xfrm>
         </p:spPr>
         <p:txBody>
@@ -12467,33 +12471,486 @@
           </a:p>
         </p:txBody>
       </p:sp>
+      <p:sp>
+        <p:nvSpPr>
+          <p:cNvPr id="6" name="Subtítulo 5"/>
+          <p:cNvSpPr>
+            <a:spLocks noGrp="1"/>
+          </p:cNvSpPr>
+          <p:nvPr>
+            <p:ph type="subTitle" idx="1"/>
+          </p:nvPr>
+        </p:nvSpPr>
+        <p:spPr>
+          <a:xfrm>
+            <a:off x="7548351" y="3847169"/>
+            <a:ext cx="4352498" cy="1529862"/>
+          </a:xfrm>
+        </p:spPr>
+        <p:txBody>
+          <a:bodyPr/>
+          <a:lstStyle/>
+          <a:p>
+            <a:r>
+              <a:rPr lang="pt-PT" dirty="0" err="1"/>
+              <a:t>Ludmilton</a:t>
+            </a:r>
+            <a:r>
+              <a:rPr lang="pt-PT" dirty="0"/>
+              <a:t> Dias </a:t>
+            </a:r>
+          </a:p>
+          <a:p>
+            <a:r>
+              <a:rPr lang="pt-PT" dirty="0"/>
+              <a:t>Nº1012058</a:t>
+            </a:r>
+          </a:p>
+          <a:p>
+            <a:endParaRPr lang="pt-PT" dirty="0"/>
+          </a:p>
+        </p:txBody>
+      </p:sp>
       <p:pic>
         <p:nvPicPr>
-          <p:cNvPr id="5" name="Marcador de Posição de Conteúdo 3"/>
+          <p:cNvPr id="7" name="Imagem 6"/>
           <p:cNvPicPr>
-            <a:picLocks noGrp="1" noChangeAspect="1"/>
+            <a:picLocks noChangeAspect="1"/>
           </p:cNvPicPr>
-          <p:nvPr>
-            <p:ph idx="1"/>
-          </p:nvPr>
+          <p:nvPr/>
         </p:nvPicPr>
         <p:blipFill>
-          <a:blip r:embed="rId2">
-            <a:extLst>
-              <a:ext uri="{28A0092B-C50C-407E-A947-70E740481C1C}">
-                <a14:useLocalDpi xmlns:a14="http://schemas.microsoft.com/office/drawing/2010/main" val="0"/>
-              </a:ext>
-            </a:extLst>
-          </a:blip>
+          <a:blip r:embed="rId2"/>
           <a:stretch>
             <a:fillRect/>
           </a:stretch>
         </p:blipFill>
         <p:spPr>
           <a:xfrm>
-            <a:off x="2242184" y="2387600"/>
-            <a:ext cx="6927757" cy="3622357"/>
+            <a:off x="895097" y="170791"/>
+            <a:ext cx="1304657" cy="1853345"/>
           </a:xfrm>
+          <a:prstGeom prst="rect">
+            <a:avLst/>
+          </a:prstGeom>
+        </p:spPr>
+      </p:pic>
+      <p:sp>
+        <p:nvSpPr>
+          <p:cNvPr id="8" name="CaixaDeTexto 6">
+            <a:extLst>
+              <a:ext uri="{FF2B5EF4-FFF2-40B4-BE49-F238E27FC236}">
+                <a16:creationId xmlns="" xmlns:a16="http://schemas.microsoft.com/office/drawing/2014/main" xmlns:lc="http://schemas.openxmlformats.org/drawingml/2006/lockedCanvas" id="{2CD3F3A7-DDAF-498B-9FFE-856DDCDCF5A9}"/>
+              </a:ext>
+            </a:extLst>
+          </p:cNvPr>
+          <p:cNvSpPr txBox="1"/>
+          <p:nvPr/>
+        </p:nvSpPr>
+        <p:spPr>
+          <a:xfrm>
+            <a:off x="2876725" y="752380"/>
+            <a:ext cx="7810151" cy="830997"/>
+          </a:xfrm>
+          <a:prstGeom prst="rect">
+            <a:avLst/>
+          </a:prstGeom>
+          <a:noFill/>
+        </p:spPr>
+        <p:txBody>
+          <a:bodyPr wrap="none" rtlCol="0">
+            <a:spAutoFit/>
+          </a:bodyPr>
+          <a:lstStyle>
+            <a:defPPr rtl="0">
+              <a:defRPr lang="pt-PT"/>
+            </a:defPPr>
+            <a:lvl1pPr marL="0" algn="l" defTabSz="914400" rtl="0" eaLnBrk="1" latinLnBrk="0" hangingPunct="1">
+              <a:defRPr sz="1800" kern="1200">
+                <a:solidFill>
+                  <a:schemeClr val="tx1"/>
+                </a:solidFill>
+                <a:latin typeface="+mn-lt"/>
+                <a:ea typeface="+mn-ea"/>
+                <a:cs typeface="+mn-cs"/>
+              </a:defRPr>
+            </a:lvl1pPr>
+            <a:lvl2pPr marL="457200" algn="l" defTabSz="914400" rtl="0" eaLnBrk="1" latinLnBrk="0" hangingPunct="1">
+              <a:defRPr sz="1800" kern="1200">
+                <a:solidFill>
+                  <a:schemeClr val="tx1"/>
+                </a:solidFill>
+                <a:latin typeface="+mn-lt"/>
+                <a:ea typeface="+mn-ea"/>
+                <a:cs typeface="+mn-cs"/>
+              </a:defRPr>
+            </a:lvl2pPr>
+            <a:lvl3pPr marL="914400" algn="l" defTabSz="914400" rtl="0" eaLnBrk="1" latinLnBrk="0" hangingPunct="1">
+              <a:defRPr sz="1800" kern="1200">
+                <a:solidFill>
+                  <a:schemeClr val="tx1"/>
+                </a:solidFill>
+                <a:latin typeface="+mn-lt"/>
+                <a:ea typeface="+mn-ea"/>
+                <a:cs typeface="+mn-cs"/>
+              </a:defRPr>
+            </a:lvl3pPr>
+            <a:lvl4pPr marL="1371600" algn="l" defTabSz="914400" rtl="0" eaLnBrk="1" latinLnBrk="0" hangingPunct="1">
+              <a:defRPr sz="1800" kern="1200">
+                <a:solidFill>
+                  <a:schemeClr val="tx1"/>
+                </a:solidFill>
+                <a:latin typeface="+mn-lt"/>
+                <a:ea typeface="+mn-ea"/>
+                <a:cs typeface="+mn-cs"/>
+              </a:defRPr>
+            </a:lvl4pPr>
+            <a:lvl5pPr marL="1828800" algn="l" defTabSz="914400" rtl="0" eaLnBrk="1" latinLnBrk="0" hangingPunct="1">
+              <a:defRPr sz="1800" kern="1200">
+                <a:solidFill>
+                  <a:schemeClr val="tx1"/>
+                </a:solidFill>
+                <a:latin typeface="+mn-lt"/>
+                <a:ea typeface="+mn-ea"/>
+                <a:cs typeface="+mn-cs"/>
+              </a:defRPr>
+            </a:lvl5pPr>
+            <a:lvl6pPr marL="2286000" algn="l" defTabSz="914400" rtl="0" eaLnBrk="1" latinLnBrk="0" hangingPunct="1">
+              <a:defRPr sz="1800" kern="1200">
+                <a:solidFill>
+                  <a:schemeClr val="tx1"/>
+                </a:solidFill>
+                <a:latin typeface="+mn-lt"/>
+                <a:ea typeface="+mn-ea"/>
+                <a:cs typeface="+mn-cs"/>
+              </a:defRPr>
+            </a:lvl6pPr>
+            <a:lvl7pPr marL="2743200" algn="l" defTabSz="914400" rtl="0" eaLnBrk="1" latinLnBrk="0" hangingPunct="1">
+              <a:defRPr sz="1800" kern="1200">
+                <a:solidFill>
+                  <a:schemeClr val="tx1"/>
+                </a:solidFill>
+                <a:latin typeface="+mn-lt"/>
+                <a:ea typeface="+mn-ea"/>
+                <a:cs typeface="+mn-cs"/>
+              </a:defRPr>
+            </a:lvl7pPr>
+            <a:lvl8pPr marL="3200400" algn="l" defTabSz="914400" rtl="0" eaLnBrk="1" latinLnBrk="0" hangingPunct="1">
+              <a:defRPr sz="1800" kern="1200">
+                <a:solidFill>
+                  <a:schemeClr val="tx1"/>
+                </a:solidFill>
+                <a:latin typeface="+mn-lt"/>
+                <a:ea typeface="+mn-ea"/>
+                <a:cs typeface="+mn-cs"/>
+              </a:defRPr>
+            </a:lvl8pPr>
+            <a:lvl9pPr marL="3657600" algn="l" defTabSz="914400" rtl="0" eaLnBrk="1" latinLnBrk="0" hangingPunct="1">
+              <a:defRPr sz="1800" kern="1200">
+                <a:solidFill>
+                  <a:schemeClr val="tx1"/>
+                </a:solidFill>
+                <a:latin typeface="+mn-lt"/>
+                <a:ea typeface="+mn-ea"/>
+                <a:cs typeface="+mn-cs"/>
+              </a:defRPr>
+            </a:lvl9pPr>
+          </a:lstStyle>
+          <a:p>
+            <a:r>
+              <a:rPr lang="pt-PT" sz="4800" dirty="0">
+                <a:latin typeface="Baskerville Old Face" panose="02020602080505020303" pitchFamily="18" charset="0"/>
+              </a:rPr>
+              <a:t>Instituto Politécnico da Guarda</a:t>
+            </a:r>
+          </a:p>
+        </p:txBody>
+      </p:sp>
+      <p:sp>
+        <p:nvSpPr>
+          <p:cNvPr id="9" name="CaixaDeTexto 7">
+            <a:extLst>
+              <a:ext uri="{FF2B5EF4-FFF2-40B4-BE49-F238E27FC236}">
+                <a16:creationId xmlns="" xmlns:a16="http://schemas.microsoft.com/office/drawing/2014/main" xmlns:lc="http://schemas.openxmlformats.org/drawingml/2006/lockedCanvas" id="{8DF6A327-C22D-41ED-869A-98D88F8D5635}"/>
+              </a:ext>
+            </a:extLst>
+          </p:cNvPr>
+          <p:cNvSpPr txBox="1"/>
+          <p:nvPr/>
+        </p:nvSpPr>
+        <p:spPr>
+          <a:xfrm>
+            <a:off x="3425753" y="1731749"/>
+            <a:ext cx="6712094" cy="584775"/>
+          </a:xfrm>
+          <a:prstGeom prst="rect">
+            <a:avLst/>
+          </a:prstGeom>
+          <a:noFill/>
+        </p:spPr>
+        <p:txBody>
+          <a:bodyPr wrap="none" rtlCol="0">
+            <a:spAutoFit/>
+          </a:bodyPr>
+          <a:lstStyle>
+            <a:defPPr rtl="0">
+              <a:defRPr lang="pt-PT"/>
+            </a:defPPr>
+            <a:lvl1pPr marL="0" algn="l" defTabSz="914400" rtl="0" eaLnBrk="1" latinLnBrk="0" hangingPunct="1">
+              <a:defRPr sz="1800" kern="1200">
+                <a:solidFill>
+                  <a:schemeClr val="tx1"/>
+                </a:solidFill>
+                <a:latin typeface="+mn-lt"/>
+                <a:ea typeface="+mn-ea"/>
+                <a:cs typeface="+mn-cs"/>
+              </a:defRPr>
+            </a:lvl1pPr>
+            <a:lvl2pPr marL="457200" algn="l" defTabSz="914400" rtl="0" eaLnBrk="1" latinLnBrk="0" hangingPunct="1">
+              <a:defRPr sz="1800" kern="1200">
+                <a:solidFill>
+                  <a:schemeClr val="tx1"/>
+                </a:solidFill>
+                <a:latin typeface="+mn-lt"/>
+                <a:ea typeface="+mn-ea"/>
+                <a:cs typeface="+mn-cs"/>
+              </a:defRPr>
+            </a:lvl2pPr>
+            <a:lvl3pPr marL="914400" algn="l" defTabSz="914400" rtl="0" eaLnBrk="1" latinLnBrk="0" hangingPunct="1">
+              <a:defRPr sz="1800" kern="1200">
+                <a:solidFill>
+                  <a:schemeClr val="tx1"/>
+                </a:solidFill>
+                <a:latin typeface="+mn-lt"/>
+                <a:ea typeface="+mn-ea"/>
+                <a:cs typeface="+mn-cs"/>
+              </a:defRPr>
+            </a:lvl3pPr>
+            <a:lvl4pPr marL="1371600" algn="l" defTabSz="914400" rtl="0" eaLnBrk="1" latinLnBrk="0" hangingPunct="1">
+              <a:defRPr sz="1800" kern="1200">
+                <a:solidFill>
+                  <a:schemeClr val="tx1"/>
+                </a:solidFill>
+                <a:latin typeface="+mn-lt"/>
+                <a:ea typeface="+mn-ea"/>
+                <a:cs typeface="+mn-cs"/>
+              </a:defRPr>
+            </a:lvl4pPr>
+            <a:lvl5pPr marL="1828800" algn="l" defTabSz="914400" rtl="0" eaLnBrk="1" latinLnBrk="0" hangingPunct="1">
+              <a:defRPr sz="1800" kern="1200">
+                <a:solidFill>
+                  <a:schemeClr val="tx1"/>
+                </a:solidFill>
+                <a:latin typeface="+mn-lt"/>
+                <a:ea typeface="+mn-ea"/>
+                <a:cs typeface="+mn-cs"/>
+              </a:defRPr>
+            </a:lvl5pPr>
+            <a:lvl6pPr marL="2286000" algn="l" defTabSz="914400" rtl="0" eaLnBrk="1" latinLnBrk="0" hangingPunct="1">
+              <a:defRPr sz="1800" kern="1200">
+                <a:solidFill>
+                  <a:schemeClr val="tx1"/>
+                </a:solidFill>
+                <a:latin typeface="+mn-lt"/>
+                <a:ea typeface="+mn-ea"/>
+                <a:cs typeface="+mn-cs"/>
+              </a:defRPr>
+            </a:lvl6pPr>
+            <a:lvl7pPr marL="2743200" algn="l" defTabSz="914400" rtl="0" eaLnBrk="1" latinLnBrk="0" hangingPunct="1">
+              <a:defRPr sz="1800" kern="1200">
+                <a:solidFill>
+                  <a:schemeClr val="tx1"/>
+                </a:solidFill>
+                <a:latin typeface="+mn-lt"/>
+                <a:ea typeface="+mn-ea"/>
+                <a:cs typeface="+mn-cs"/>
+              </a:defRPr>
+            </a:lvl7pPr>
+            <a:lvl8pPr marL="3200400" algn="l" defTabSz="914400" rtl="0" eaLnBrk="1" latinLnBrk="0" hangingPunct="1">
+              <a:defRPr sz="1800" kern="1200">
+                <a:solidFill>
+                  <a:schemeClr val="tx1"/>
+                </a:solidFill>
+                <a:latin typeface="+mn-lt"/>
+                <a:ea typeface="+mn-ea"/>
+                <a:cs typeface="+mn-cs"/>
+              </a:defRPr>
+            </a:lvl8pPr>
+            <a:lvl9pPr marL="3657600" algn="l" defTabSz="914400" rtl="0" eaLnBrk="1" latinLnBrk="0" hangingPunct="1">
+              <a:defRPr sz="1800" kern="1200">
+                <a:solidFill>
+                  <a:schemeClr val="tx1"/>
+                </a:solidFill>
+                <a:latin typeface="+mn-lt"/>
+                <a:ea typeface="+mn-ea"/>
+                <a:cs typeface="+mn-cs"/>
+              </a:defRPr>
+            </a:lvl9pPr>
+          </a:lstStyle>
+          <a:p>
+            <a:r>
+              <a:rPr lang="pt-PT" sz="3200" dirty="0">
+                <a:latin typeface="Baskerville Old Face" panose="02020602080505020303" pitchFamily="18" charset="0"/>
+              </a:rPr>
+              <a:t>Escola Superior de Tecnologia e Gestão</a:t>
+            </a:r>
+          </a:p>
+        </p:txBody>
+      </p:sp>
+      <p:sp>
+        <p:nvSpPr>
+          <p:cNvPr id="10" name="CaixaDeTexto 11">
+            <a:extLst>
+              <a:ext uri="{FF2B5EF4-FFF2-40B4-BE49-F238E27FC236}">
+                <a16:creationId xmlns="" xmlns:a16="http://schemas.microsoft.com/office/drawing/2014/main" xmlns:lc="http://schemas.openxmlformats.org/drawingml/2006/lockedCanvas" id="{13D5325E-DDA8-4C5C-9AC8-842176432EE2}"/>
+              </a:ext>
+            </a:extLst>
+          </p:cNvPr>
+          <p:cNvSpPr txBox="1"/>
+          <p:nvPr/>
+        </p:nvSpPr>
+        <p:spPr>
+          <a:xfrm>
+            <a:off x="2876725" y="2234063"/>
+            <a:ext cx="6563015" cy="461665"/>
+          </a:xfrm>
+          <a:prstGeom prst="rect">
+            <a:avLst/>
+          </a:prstGeom>
+          <a:noFill/>
+        </p:spPr>
+        <p:txBody>
+          <a:bodyPr wrap="none" rtlCol="0">
+            <a:spAutoFit/>
+          </a:bodyPr>
+          <a:lstStyle>
+            <a:defPPr rtl="0">
+              <a:defRPr lang="pt-PT"/>
+            </a:defPPr>
+            <a:lvl1pPr marL="0" algn="l" defTabSz="914400" rtl="0" eaLnBrk="1" latinLnBrk="0" hangingPunct="1">
+              <a:defRPr sz="1800" kern="1200">
+                <a:solidFill>
+                  <a:schemeClr val="tx1"/>
+                </a:solidFill>
+                <a:latin typeface="+mn-lt"/>
+                <a:ea typeface="+mn-ea"/>
+                <a:cs typeface="+mn-cs"/>
+              </a:defRPr>
+            </a:lvl1pPr>
+            <a:lvl2pPr marL="457200" algn="l" defTabSz="914400" rtl="0" eaLnBrk="1" latinLnBrk="0" hangingPunct="1">
+              <a:defRPr sz="1800" kern="1200">
+                <a:solidFill>
+                  <a:schemeClr val="tx1"/>
+                </a:solidFill>
+                <a:latin typeface="+mn-lt"/>
+                <a:ea typeface="+mn-ea"/>
+                <a:cs typeface="+mn-cs"/>
+              </a:defRPr>
+            </a:lvl2pPr>
+            <a:lvl3pPr marL="914400" algn="l" defTabSz="914400" rtl="0" eaLnBrk="1" latinLnBrk="0" hangingPunct="1">
+              <a:defRPr sz="1800" kern="1200">
+                <a:solidFill>
+                  <a:schemeClr val="tx1"/>
+                </a:solidFill>
+                <a:latin typeface="+mn-lt"/>
+                <a:ea typeface="+mn-ea"/>
+                <a:cs typeface="+mn-cs"/>
+              </a:defRPr>
+            </a:lvl3pPr>
+            <a:lvl4pPr marL="1371600" algn="l" defTabSz="914400" rtl="0" eaLnBrk="1" latinLnBrk="0" hangingPunct="1">
+              <a:defRPr sz="1800" kern="1200">
+                <a:solidFill>
+                  <a:schemeClr val="tx1"/>
+                </a:solidFill>
+                <a:latin typeface="+mn-lt"/>
+                <a:ea typeface="+mn-ea"/>
+                <a:cs typeface="+mn-cs"/>
+              </a:defRPr>
+            </a:lvl4pPr>
+            <a:lvl5pPr marL="1828800" algn="l" defTabSz="914400" rtl="0" eaLnBrk="1" latinLnBrk="0" hangingPunct="1">
+              <a:defRPr sz="1800" kern="1200">
+                <a:solidFill>
+                  <a:schemeClr val="tx1"/>
+                </a:solidFill>
+                <a:latin typeface="+mn-lt"/>
+                <a:ea typeface="+mn-ea"/>
+                <a:cs typeface="+mn-cs"/>
+              </a:defRPr>
+            </a:lvl5pPr>
+            <a:lvl6pPr marL="2286000" algn="l" defTabSz="914400" rtl="0" eaLnBrk="1" latinLnBrk="0" hangingPunct="1">
+              <a:defRPr sz="1800" kern="1200">
+                <a:solidFill>
+                  <a:schemeClr val="tx1"/>
+                </a:solidFill>
+                <a:latin typeface="+mn-lt"/>
+                <a:ea typeface="+mn-ea"/>
+                <a:cs typeface="+mn-cs"/>
+              </a:defRPr>
+            </a:lvl6pPr>
+            <a:lvl7pPr marL="2743200" algn="l" defTabSz="914400" rtl="0" eaLnBrk="1" latinLnBrk="0" hangingPunct="1">
+              <a:defRPr sz="1800" kern="1200">
+                <a:solidFill>
+                  <a:schemeClr val="tx1"/>
+                </a:solidFill>
+                <a:latin typeface="+mn-lt"/>
+                <a:ea typeface="+mn-ea"/>
+                <a:cs typeface="+mn-cs"/>
+              </a:defRPr>
+            </a:lvl7pPr>
+            <a:lvl8pPr marL="3200400" algn="l" defTabSz="914400" rtl="0" eaLnBrk="1" latinLnBrk="0" hangingPunct="1">
+              <a:defRPr sz="1800" kern="1200">
+                <a:solidFill>
+                  <a:schemeClr val="tx1"/>
+                </a:solidFill>
+                <a:latin typeface="+mn-lt"/>
+                <a:ea typeface="+mn-ea"/>
+                <a:cs typeface="+mn-cs"/>
+              </a:defRPr>
+            </a:lvl8pPr>
+            <a:lvl9pPr marL="3657600" algn="l" defTabSz="914400" rtl="0" eaLnBrk="1" latinLnBrk="0" hangingPunct="1">
+              <a:defRPr sz="1800" kern="1200">
+                <a:solidFill>
+                  <a:schemeClr val="tx1"/>
+                </a:solidFill>
+                <a:latin typeface="+mn-lt"/>
+                <a:ea typeface="+mn-ea"/>
+                <a:cs typeface="+mn-cs"/>
+              </a:defRPr>
+            </a:lvl9pPr>
+          </a:lstStyle>
+          <a:p>
+            <a:pPr algn="ctr"/>
+            <a:r>
+              <a:rPr lang="pt-PT" sz="2400" b="1" dirty="0">
+                <a:latin typeface="Baskerville Old Face" panose="02020602080505020303" pitchFamily="18" charset="0"/>
+              </a:rPr>
+              <a:t>Engenharia Informática – Engenharia de Software II</a:t>
+            </a:r>
+          </a:p>
+        </p:txBody>
+      </p:sp>
+      <p:pic>
+        <p:nvPicPr>
+          <p:cNvPr id="11" name="Imagem 10"/>
+          <p:cNvPicPr>
+            <a:picLocks noChangeAspect="1"/>
+          </p:cNvPicPr>
+          <p:nvPr/>
+        </p:nvPicPr>
+        <p:blipFill>
+          <a:blip r:embed="rId3"/>
+          <a:stretch>
+            <a:fillRect/>
+          </a:stretch>
+        </p:blipFill>
+        <p:spPr>
+          <a:xfrm>
+            <a:off x="3159314" y="3847169"/>
+            <a:ext cx="4005761" cy="1857682"/>
+          </a:xfrm>
+          <a:prstGeom prst="rect">
+            <a:avLst/>
+          </a:prstGeom>
         </p:spPr>
       </p:pic>
     </p:spTree>
@@ -12606,8 +13063,8 @@
         </p:blipFill>
         <p:spPr>
           <a:xfrm>
-            <a:off x="2034540" y="2890204"/>
-            <a:ext cx="7679372" cy="2900997"/>
+            <a:off x="1706993" y="3002507"/>
+            <a:ext cx="7679372" cy="2720455"/>
           </a:xfrm>
           <a:prstGeom prst="rect">
             <a:avLst/>
@@ -12689,7 +13146,6 @@
               <a:rPr lang="pt-PT" dirty="0"/>
               <a:t>O excesso de pessoas de um grupo pode desperdiçar o tempo dos membros, minimizar a participação e dando-lhes pouco para fazer.</a:t>
             </a:r>
-            <a:endParaRPr lang="pt-PT" dirty="0"/>
           </a:p>
         </p:txBody>
       </p:sp>
@@ -12763,7 +13219,12 @@
             <p:ph idx="1"/>
           </p:nvPr>
         </p:nvSpPr>
-        <p:spPr/>
+        <p:spPr>
+          <a:xfrm>
+            <a:off x="1141413" y="2115286"/>
+            <a:ext cx="9905999" cy="3541714"/>
+          </a:xfrm>
+        </p:spPr>
         <p:txBody>
           <a:bodyPr/>
           <a:lstStyle/>
@@ -12873,6 +13334,406 @@
 </p:sld>
 </file>
 
+<file path=ppt/slides/slide5.xml><?xml version="1.0" encoding="utf-8"?>
+<p:sld xmlns:a="http://schemas.openxmlformats.org/drawingml/2006/main" xmlns:r="http://schemas.openxmlformats.org/officeDocument/2006/relationships" xmlns:p="http://schemas.openxmlformats.org/presentationml/2006/main">
+  <p:cSld>
+    <p:spTree>
+      <p:nvGrpSpPr>
+        <p:cNvPr id="1" name=""/>
+        <p:cNvGrpSpPr/>
+        <p:nvPr/>
+      </p:nvGrpSpPr>
+      <p:grpSpPr>
+        <a:xfrm>
+          <a:off x="0" y="0"/>
+          <a:ext cx="0" cy="0"/>
+          <a:chOff x="0" y="0"/>
+          <a:chExt cx="0" cy="0"/>
+        </a:xfrm>
+      </p:grpSpPr>
+      <p:sp>
+        <p:nvSpPr>
+          <p:cNvPr id="2" name="Título 1"/>
+          <p:cNvSpPr>
+            <a:spLocks noGrp="1"/>
+          </p:cNvSpPr>
+          <p:nvPr>
+            <p:ph type="title"/>
+          </p:nvPr>
+        </p:nvSpPr>
+        <p:spPr/>
+        <p:txBody>
+          <a:bodyPr/>
+          <a:lstStyle/>
+          <a:p>
+            <a:r>
+              <a:rPr lang="pt-PT" dirty="0" smtClean="0"/>
+              <a:t>Modelo Espiral</a:t>
+            </a:r>
+            <a:endParaRPr lang="pt-PT" dirty="0"/>
+          </a:p>
+        </p:txBody>
+      </p:sp>
+      <p:pic>
+        <p:nvPicPr>
+          <p:cNvPr id="4" name="Picture 5"/>
+          <p:cNvPicPr>
+            <a:picLocks noGrp="1" noChangeAspect="1" noChangeArrowheads="1"/>
+          </p:cNvPicPr>
+          <p:nvPr>
+            <p:ph idx="1"/>
+          </p:nvPr>
+        </p:nvPicPr>
+        <p:blipFill>
+          <a:blip r:embed="rId2" cstate="print">
+            <a:extLst>
+              <a:ext uri="{28A0092B-C50C-407E-A947-70E740481C1C}">
+                <a14:useLocalDpi xmlns:a14="http://schemas.microsoft.com/office/drawing/2010/main" val="0"/>
+              </a:ext>
+            </a:extLst>
+          </a:blip>
+          <a:stretch>
+            <a:fillRect/>
+          </a:stretch>
+        </p:blipFill>
+        <p:spPr>
+          <a:xfrm>
+            <a:off x="2784143" y="1828800"/>
+            <a:ext cx="6605517" cy="3962400"/>
+          </a:xfrm>
+          <a:noFill/>
+        </p:spPr>
+      </p:pic>
+      <p:sp>
+        <p:nvSpPr>
+          <p:cNvPr id="5" name="CaixaDeTexto 4"/>
+          <p:cNvSpPr txBox="1"/>
+          <p:nvPr/>
+        </p:nvSpPr>
+        <p:spPr>
+          <a:xfrm>
+            <a:off x="7792872" y="2456598"/>
+            <a:ext cx="2158619" cy="369332"/>
+          </a:xfrm>
+          <a:prstGeom prst="rect">
+            <a:avLst/>
+          </a:prstGeom>
+          <a:solidFill>
+            <a:schemeClr val="accent2"/>
+          </a:solidFill>
+        </p:spPr>
+        <p:txBody>
+          <a:bodyPr wrap="square" rtlCol="0">
+            <a:spAutoFit/>
+          </a:bodyPr>
+          <a:lstStyle/>
+          <a:p>
+            <a:r>
+              <a:rPr lang="pt-PT" b="1" dirty="0" err="1"/>
+              <a:t>SmallWritingTeam</a:t>
+            </a:r>
+            <a:endParaRPr lang="pt-PT" dirty="0"/>
+          </a:p>
+        </p:txBody>
+      </p:sp>
+      <p:sp>
+        <p:nvSpPr>
+          <p:cNvPr id="6" name="CaixaDeTexto 5"/>
+          <p:cNvSpPr txBox="1"/>
+          <p:nvPr/>
+        </p:nvSpPr>
+        <p:spPr>
+          <a:xfrm>
+            <a:off x="7792871" y="5461380"/>
+            <a:ext cx="2158620" cy="369332"/>
+          </a:xfrm>
+          <a:prstGeom prst="rect">
+            <a:avLst/>
+          </a:prstGeom>
+          <a:solidFill>
+            <a:schemeClr val="accent2"/>
+          </a:solidFill>
+        </p:spPr>
+        <p:txBody>
+          <a:bodyPr wrap="square" rtlCol="0">
+            <a:spAutoFit/>
+          </a:bodyPr>
+          <a:lstStyle/>
+          <a:p>
+            <a:r>
+              <a:rPr lang="pt-PT" b="1" dirty="0" err="1"/>
+              <a:t>SmallWritingTeam</a:t>
+            </a:r>
+            <a:endParaRPr lang="pt-PT" dirty="0"/>
+          </a:p>
+        </p:txBody>
+      </p:sp>
+      <p:sp>
+        <p:nvSpPr>
+          <p:cNvPr id="7" name="CaixaDeTexto 6"/>
+          <p:cNvSpPr txBox="1"/>
+          <p:nvPr/>
+        </p:nvSpPr>
+        <p:spPr>
+          <a:xfrm>
+            <a:off x="3425588" y="5568287"/>
+            <a:ext cx="2022143" cy="369332"/>
+          </a:xfrm>
+          <a:prstGeom prst="rect">
+            <a:avLst/>
+          </a:prstGeom>
+          <a:solidFill>
+            <a:schemeClr val="accent2"/>
+          </a:solidFill>
+        </p:spPr>
+        <p:txBody>
+          <a:bodyPr wrap="square" rtlCol="0">
+            <a:spAutoFit/>
+          </a:bodyPr>
+          <a:lstStyle/>
+          <a:p>
+            <a:r>
+              <a:rPr lang="pt-PT" b="1" dirty="0" err="1"/>
+              <a:t>SmallWritingTeam</a:t>
+            </a:r>
+            <a:endParaRPr lang="pt-PT" dirty="0"/>
+          </a:p>
+        </p:txBody>
+      </p:sp>
+      <p:sp>
+        <p:nvSpPr>
+          <p:cNvPr id="8" name="CaixaDeTexto 7"/>
+          <p:cNvSpPr txBox="1"/>
+          <p:nvPr/>
+        </p:nvSpPr>
+        <p:spPr>
+          <a:xfrm>
+            <a:off x="2088109" y="3016155"/>
+            <a:ext cx="2076734" cy="369332"/>
+          </a:xfrm>
+          <a:prstGeom prst="rect">
+            <a:avLst/>
+          </a:prstGeom>
+          <a:solidFill>
+            <a:schemeClr val="accent2"/>
+          </a:solidFill>
+        </p:spPr>
+        <p:txBody>
+          <a:bodyPr wrap="square" rtlCol="0">
+            <a:spAutoFit/>
+          </a:bodyPr>
+          <a:lstStyle/>
+          <a:p>
+            <a:r>
+              <a:rPr lang="pt-PT" b="1" dirty="0" err="1">
+                <a:solidFill>
+                  <a:schemeClr val="bg2"/>
+                </a:solidFill>
+              </a:rPr>
+              <a:t>SmallWritingTeam</a:t>
+            </a:r>
+            <a:endParaRPr lang="pt-PT" dirty="0">
+              <a:solidFill>
+                <a:schemeClr val="bg2"/>
+              </a:solidFill>
+            </a:endParaRPr>
+          </a:p>
+        </p:txBody>
+      </p:sp>
+    </p:spTree>
+    <p:extLst>
+      <p:ext uri="{BB962C8B-B14F-4D97-AF65-F5344CB8AC3E}">
+        <p14:creationId xmlns:p14="http://schemas.microsoft.com/office/powerpoint/2010/main" val="4171056217"/>
+      </p:ext>
+    </p:extLst>
+  </p:cSld>
+  <p:clrMapOvr>
+    <a:masterClrMapping/>
+  </p:clrMapOvr>
+  <p:timing>
+    <p:tnLst>
+      <p:par>
+        <p:cTn id="1" dur="indefinite" restart="never" nodeType="tmRoot"/>
+      </p:par>
+    </p:tnLst>
+  </p:timing>
+</p:sld>
+</file>
+
+<file path=ppt/slides/slide6.xml><?xml version="1.0" encoding="utf-8"?>
+<p:sld xmlns:a="http://schemas.openxmlformats.org/drawingml/2006/main" xmlns:r="http://schemas.openxmlformats.org/officeDocument/2006/relationships" xmlns:p="http://schemas.openxmlformats.org/presentationml/2006/main">
+  <p:cSld>
+    <p:spTree>
+      <p:nvGrpSpPr>
+        <p:cNvPr id="1" name=""/>
+        <p:cNvGrpSpPr/>
+        <p:nvPr/>
+      </p:nvGrpSpPr>
+      <p:grpSpPr>
+        <a:xfrm>
+          <a:off x="0" y="0"/>
+          <a:ext cx="0" cy="0"/>
+          <a:chOff x="0" y="0"/>
+          <a:chExt cx="0" cy="0"/>
+        </a:xfrm>
+      </p:grpSpPr>
+      <p:sp>
+        <p:nvSpPr>
+          <p:cNvPr id="2" name="Título 1"/>
+          <p:cNvSpPr>
+            <a:spLocks noGrp="1"/>
+          </p:cNvSpPr>
+          <p:nvPr>
+            <p:ph type="title"/>
+          </p:nvPr>
+        </p:nvSpPr>
+        <p:spPr/>
+        <p:txBody>
+          <a:bodyPr/>
+          <a:lstStyle/>
+          <a:p>
+            <a:r>
+              <a:rPr lang="pt-PT" dirty="0" smtClean="0"/>
+              <a:t>Rede Padrões</a:t>
+            </a:r>
+            <a:endParaRPr lang="pt-PT" dirty="0"/>
+          </a:p>
+        </p:txBody>
+      </p:sp>
+      <p:pic>
+        <p:nvPicPr>
+          <p:cNvPr id="4" name="Marcador de Posição de Conteúdo 3"/>
+          <p:cNvPicPr>
+            <a:picLocks noGrp="1" noChangeAspect="1"/>
+          </p:cNvPicPr>
+          <p:nvPr>
+            <p:ph idx="1"/>
+          </p:nvPr>
+        </p:nvPicPr>
+        <p:blipFill>
+          <a:blip r:embed="rId2">
+            <a:extLst>
+              <a:ext uri="{28A0092B-C50C-407E-A947-70E740481C1C}">
+                <a14:useLocalDpi xmlns:a14="http://schemas.microsoft.com/office/drawing/2010/main" val="0"/>
+              </a:ext>
+            </a:extLst>
+          </a:blip>
+          <a:stretch>
+            <a:fillRect/>
+          </a:stretch>
+        </p:blipFill>
+        <p:spPr>
+          <a:xfrm>
+            <a:off x="1721251" y="1933317"/>
+            <a:ext cx="8419036" cy="4347668"/>
+          </a:xfrm>
+        </p:spPr>
+      </p:pic>
+    </p:spTree>
+    <p:extLst>
+      <p:ext uri="{BB962C8B-B14F-4D97-AF65-F5344CB8AC3E}">
+        <p14:creationId xmlns:p14="http://schemas.microsoft.com/office/powerpoint/2010/main" val="3933674398"/>
+      </p:ext>
+    </p:extLst>
+  </p:cSld>
+  <p:clrMapOvr>
+    <a:masterClrMapping/>
+  </p:clrMapOvr>
+</p:sld>
+</file>
+
+<file path=ppt/slides/slide7.xml><?xml version="1.0" encoding="utf-8"?>
+<p:sld xmlns:a="http://schemas.openxmlformats.org/drawingml/2006/main" xmlns:r="http://schemas.openxmlformats.org/officeDocument/2006/relationships" xmlns:p="http://schemas.openxmlformats.org/presentationml/2006/main">
+  <p:cSld>
+    <p:spTree>
+      <p:nvGrpSpPr>
+        <p:cNvPr id="1" name=""/>
+        <p:cNvGrpSpPr/>
+        <p:nvPr/>
+      </p:nvGrpSpPr>
+      <p:grpSpPr>
+        <a:xfrm>
+          <a:off x="0" y="0"/>
+          <a:ext cx="0" cy="0"/>
+          <a:chOff x="0" y="0"/>
+          <a:chExt cx="0" cy="0"/>
+        </a:xfrm>
+      </p:grpSpPr>
+      <p:sp>
+        <p:nvSpPr>
+          <p:cNvPr id="2" name="Título 1"/>
+          <p:cNvSpPr>
+            <a:spLocks noGrp="1"/>
+          </p:cNvSpPr>
+          <p:nvPr>
+            <p:ph type="title"/>
+          </p:nvPr>
+        </p:nvSpPr>
+        <p:spPr/>
+        <p:txBody>
+          <a:bodyPr/>
+          <a:lstStyle/>
+          <a:p>
+            <a:r>
+              <a:rPr lang="pt-PT" dirty="0" smtClean="0"/>
+              <a:t>Conclusão</a:t>
+            </a:r>
+            <a:endParaRPr lang="pt-PT" dirty="0"/>
+          </a:p>
+        </p:txBody>
+      </p:sp>
+      <p:sp>
+        <p:nvSpPr>
+          <p:cNvPr id="3" name="Marcador de Posição de Conteúdo 2"/>
+          <p:cNvSpPr>
+            <a:spLocks noGrp="1"/>
+          </p:cNvSpPr>
+          <p:nvPr>
+            <p:ph idx="1"/>
+          </p:nvPr>
+        </p:nvSpPr>
+        <p:spPr/>
+        <p:txBody>
+          <a:bodyPr/>
+          <a:lstStyle/>
+          <a:p>
+            <a:r>
+              <a:rPr lang="pt-PT" dirty="0"/>
+              <a:t>A </a:t>
+            </a:r>
+            <a:r>
+              <a:rPr lang="pt-PT" dirty="0" err="1"/>
+              <a:t>SmallWrintingTeam</a:t>
+            </a:r>
+            <a:r>
+              <a:rPr lang="pt-PT" dirty="0"/>
+              <a:t> permitem a melhor performance do grupo e faz com que o grupo concentre nos detalhes que consideram importantes ao escrever os casos de uso.</a:t>
+            </a:r>
+          </a:p>
+          <a:p>
+            <a:r>
+              <a:rPr lang="pt-PT" dirty="0"/>
+              <a:t>Um grupo pequeno e balanceado é mais eficiente e eficaz para e descrição dos casos de uso, sendo assim mais fácil de ouvir as opiniões de todos, sendo capaz de fazer com o tempo, uma entrada de novas pessoas no grupo.</a:t>
+            </a:r>
+          </a:p>
+          <a:p>
+            <a:endParaRPr lang="pt-PT" dirty="0"/>
+          </a:p>
+        </p:txBody>
+      </p:sp>
+    </p:spTree>
+    <p:extLst>
+      <p:ext uri="{BB962C8B-B14F-4D97-AF65-F5344CB8AC3E}">
+        <p14:creationId xmlns:p14="http://schemas.microsoft.com/office/powerpoint/2010/main" val="3023058048"/>
+      </p:ext>
+    </p:extLst>
+  </p:cSld>
+  <p:clrMapOvr>
+    <a:masterClrMapping/>
+  </p:clrMapOvr>
+</p:sld>
+</file>
+
 <file path=ppt/theme/theme1.xml><?xml version="1.0" encoding="utf-8"?>
 <a:theme xmlns:a="http://schemas.openxmlformats.org/drawingml/2006/main" name="Circuito">
   <a:themeElements>
@@ -12884,34 +13745,34 @@
         <a:sysClr val="window" lastClr="FFFFFF"/>
       </a:lt1>
       <a:dk2>
-        <a:srgbClr val="134770"/>
+        <a:srgbClr val="252C36"/>
       </a:dk2>
       <a:lt2>
-        <a:srgbClr val="82FFFF"/>
+        <a:srgbClr val="7C96A3"/>
       </a:lt2>
       <a:accent1>
-        <a:srgbClr val="9ACD4C"/>
+        <a:srgbClr val="4FD093"/>
       </a:accent1>
       <a:accent2>
-        <a:srgbClr val="FAA93A"/>
+        <a:srgbClr val="54BCDF"/>
       </a:accent2>
       <a:accent3>
-        <a:srgbClr val="D35940"/>
+        <a:srgbClr val="A262D0"/>
       </a:accent3>
       <a:accent4>
-        <a:srgbClr val="B258D3"/>
+        <a:srgbClr val="D7537B"/>
       </a:accent4>
       <a:accent5>
-        <a:srgbClr val="63A0CC"/>
+        <a:srgbClr val="E78045"/>
       </a:accent5>
       <a:accent6>
-        <a:srgbClr val="8AC4A7"/>
+        <a:srgbClr val="84C350"/>
       </a:accent6>
       <a:hlink>
-        <a:srgbClr val="B8FA56"/>
+        <a:srgbClr val="22FFFF"/>
       </a:hlink>
       <a:folHlink>
-        <a:srgbClr val="7AF8CC"/>
+        <a:srgbClr val="9BF3FD"/>
       </a:folHlink>
     </a:clrScheme>
     <a:fontScheme name="Circuito">
@@ -13078,7 +13939,7 @@
                 <a:tint val="98000"/>
                 <a:hueMod val="94000"/>
                 <a:satMod val="148000"/>
-                <a:lumMod val="150000"/>
+                <a:lumMod val="140000"/>
               </a:schemeClr>
             </a:gs>
             <a:gs pos="100000">
@@ -13086,7 +13947,7 @@
                 <a:shade val="92000"/>
                 <a:hueMod val="104000"/>
                 <a:satMod val="140000"/>
-                <a:lumMod val="68000"/>
+                <a:lumMod val="48000"/>
               </a:schemeClr>
             </a:gs>
           </a:gsLst>
@@ -13096,16 +13957,16 @@
           <a:blip xmlns:r="http://schemas.openxmlformats.org/officeDocument/2006/relationships" r:embed="rId1">
             <a:duotone>
               <a:schemeClr val="phClr">
-                <a:shade val="88000"/>
+                <a:shade val="48000"/>
                 <a:hueMod val="106000"/>
                 <a:satMod val="140000"/>
-                <a:lumMod val="54000"/>
+                <a:lumMod val="42000"/>
               </a:schemeClr>
               <a:schemeClr val="phClr">
                 <a:tint val="98000"/>
-                <a:hueMod val="90000"/>
-                <a:satMod val="150000"/>
-                <a:lumMod val="160000"/>
+                <a:hueMod val="92000"/>
+                <a:satMod val="220000"/>
+                <a:lumMod val="90000"/>
               </a:schemeClr>
             </a:duotone>
           </a:blip>
@@ -13118,7 +13979,7 @@
   <a:extraClrSchemeLst/>
   <a:extLst>
     <a:ext uri="{05A4C25C-085E-4340-85A3-A5531E510DB2}">
-      <thm15:themeFamily xmlns:thm15="http://schemas.microsoft.com/office/thememl/2012/main" name="Circuit" id="{0AC2F7E7-15F5-431C-B2A2-456FE929F56C}" vid="{0911B802-464C-4241-8DD9-B60FF88E379F}"/>
+      <thm15:themeFamily xmlns:thm15="http://schemas.microsoft.com/office/thememl/2012/main" name="Circuit" id="{0AC2F7E7-15F5-431C-B2A2-456FE929F56C}" vid="{142578CA-DEC9-49C3-80AF-C113973CC9A9}"/>
     </a:ext>
   </a:extLst>
 </a:theme>
